--- a/개별플젝1-ACC/소프트웨어 구조설계.pptx
+++ b/개별플젝1-ACC/소프트웨어 구조설계.pptx
@@ -260,7 +260,7 @@
           <a:p>
             <a:fld id="{320F397A-0CFE-4147-A48A-A47A6D94E80C}" type="datetimeFigureOut">
               <a:rPr lang="ko-KR" altLang="en-US" smtClean="0"/>
-              <a:t>2024-02-04</a:t>
+              <a:t>2024-02-05</a:t>
             </a:fld>
             <a:endParaRPr lang="ko-KR" altLang="en-US"/>
           </a:p>
@@ -458,7 +458,7 @@
           <a:p>
             <a:fld id="{320F397A-0CFE-4147-A48A-A47A6D94E80C}" type="datetimeFigureOut">
               <a:rPr lang="ko-KR" altLang="en-US" smtClean="0"/>
-              <a:t>2024-02-04</a:t>
+              <a:t>2024-02-05</a:t>
             </a:fld>
             <a:endParaRPr lang="ko-KR" altLang="en-US"/>
           </a:p>
@@ -666,7 +666,7 @@
           <a:p>
             <a:fld id="{320F397A-0CFE-4147-A48A-A47A6D94E80C}" type="datetimeFigureOut">
               <a:rPr lang="ko-KR" altLang="en-US" smtClean="0"/>
-              <a:t>2024-02-04</a:t>
+              <a:t>2024-02-05</a:t>
             </a:fld>
             <a:endParaRPr lang="ko-KR" altLang="en-US"/>
           </a:p>
@@ -864,7 +864,7 @@
           <a:p>
             <a:fld id="{320F397A-0CFE-4147-A48A-A47A6D94E80C}" type="datetimeFigureOut">
               <a:rPr lang="ko-KR" altLang="en-US" smtClean="0"/>
-              <a:t>2024-02-04</a:t>
+              <a:t>2024-02-05</a:t>
             </a:fld>
             <a:endParaRPr lang="ko-KR" altLang="en-US"/>
           </a:p>
@@ -1139,7 +1139,7 @@
           <a:p>
             <a:fld id="{320F397A-0CFE-4147-A48A-A47A6D94E80C}" type="datetimeFigureOut">
               <a:rPr lang="ko-KR" altLang="en-US" smtClean="0"/>
-              <a:t>2024-02-04</a:t>
+              <a:t>2024-02-05</a:t>
             </a:fld>
             <a:endParaRPr lang="ko-KR" altLang="en-US"/>
           </a:p>
@@ -1404,7 +1404,7 @@
           <a:p>
             <a:fld id="{320F397A-0CFE-4147-A48A-A47A6D94E80C}" type="datetimeFigureOut">
               <a:rPr lang="ko-KR" altLang="en-US" smtClean="0"/>
-              <a:t>2024-02-04</a:t>
+              <a:t>2024-02-05</a:t>
             </a:fld>
             <a:endParaRPr lang="ko-KR" altLang="en-US"/>
           </a:p>
@@ -1816,7 +1816,7 @@
           <a:p>
             <a:fld id="{320F397A-0CFE-4147-A48A-A47A6D94E80C}" type="datetimeFigureOut">
               <a:rPr lang="ko-KR" altLang="en-US" smtClean="0"/>
-              <a:t>2024-02-04</a:t>
+              <a:t>2024-02-05</a:t>
             </a:fld>
             <a:endParaRPr lang="ko-KR" altLang="en-US"/>
           </a:p>
@@ -1957,7 +1957,7 @@
           <a:p>
             <a:fld id="{320F397A-0CFE-4147-A48A-A47A6D94E80C}" type="datetimeFigureOut">
               <a:rPr lang="ko-KR" altLang="en-US" smtClean="0"/>
-              <a:t>2024-02-04</a:t>
+              <a:t>2024-02-05</a:t>
             </a:fld>
             <a:endParaRPr lang="ko-KR" altLang="en-US"/>
           </a:p>
@@ -2070,7 +2070,7 @@
           <a:p>
             <a:fld id="{320F397A-0CFE-4147-A48A-A47A6D94E80C}" type="datetimeFigureOut">
               <a:rPr lang="ko-KR" altLang="en-US" smtClean="0"/>
-              <a:t>2024-02-04</a:t>
+              <a:t>2024-02-05</a:t>
             </a:fld>
             <a:endParaRPr lang="ko-KR" altLang="en-US"/>
           </a:p>
@@ -2381,7 +2381,7 @@
           <a:p>
             <a:fld id="{320F397A-0CFE-4147-A48A-A47A6D94E80C}" type="datetimeFigureOut">
               <a:rPr lang="ko-KR" altLang="en-US" smtClean="0"/>
-              <a:t>2024-02-04</a:t>
+              <a:t>2024-02-05</a:t>
             </a:fld>
             <a:endParaRPr lang="ko-KR" altLang="en-US"/>
           </a:p>
@@ -2669,7 +2669,7 @@
           <a:p>
             <a:fld id="{320F397A-0CFE-4147-A48A-A47A6D94E80C}" type="datetimeFigureOut">
               <a:rPr lang="ko-KR" altLang="en-US" smtClean="0"/>
-              <a:t>2024-02-04</a:t>
+              <a:t>2024-02-05</a:t>
             </a:fld>
             <a:endParaRPr lang="ko-KR" altLang="en-US"/>
           </a:p>
@@ -2910,7 +2910,7 @@
           <a:p>
             <a:fld id="{320F397A-0CFE-4147-A48A-A47A6D94E80C}" type="datetimeFigureOut">
               <a:rPr lang="ko-KR" altLang="en-US" smtClean="0"/>
-              <a:t>2024-02-04</a:t>
+              <a:t>2024-02-05</a:t>
             </a:fld>
             <a:endParaRPr lang="ko-KR" altLang="en-US"/>
           </a:p>
@@ -3428,8 +3428,8 @@
         </p:nvSpPr>
         <p:spPr>
           <a:xfrm>
-            <a:off x="1641872" y="1246284"/>
-            <a:ext cx="3971528" cy="3770216"/>
+            <a:off x="427181" y="3516344"/>
+            <a:ext cx="1790079" cy="1456872"/>
           </a:xfrm>
           <a:prstGeom prst="rect">
             <a:avLst/>
@@ -3457,14 +3457,1337 @@
           <a:lstStyle/>
           <a:p>
             <a:pPr algn="ctr"/>
-            <a:endParaRPr lang="en-US" altLang="ko-KR" dirty="0">
+            <a:r>
+              <a:rPr lang="en-US" altLang="ko-KR" sz="1000" dirty="0">
+                <a:solidFill>
+                  <a:schemeClr val="tx1"/>
+                </a:solidFill>
+              </a:rPr>
+              <a:t>ACC mode</a:t>
+            </a:r>
+          </a:p>
+          <a:p>
+            <a:pPr algn="ctr"/>
+            <a:endParaRPr lang="en-US" altLang="ko-KR" sz="1000" dirty="0">
               <a:solidFill>
                 <a:schemeClr val="tx1"/>
               </a:solidFill>
             </a:endParaRPr>
           </a:p>
-        </p:txBody>
-      </p:sp>
+          <a:p>
+            <a:pPr algn="ctr"/>
+            <a:r>
+              <a:rPr lang="en-US" altLang="ko-KR" sz="1000" dirty="0">
+                <a:solidFill>
+                  <a:schemeClr val="tx1"/>
+                </a:solidFill>
+              </a:rPr>
+              <a:t>Sw1</a:t>
+            </a:r>
+            <a:r>
+              <a:rPr lang="ko-KR" altLang="en-US" sz="1000" dirty="0">
+                <a:solidFill>
+                  <a:schemeClr val="tx1"/>
+                </a:solidFill>
+              </a:rPr>
+              <a:t>을 </a:t>
+            </a:r>
+            <a:r>
+              <a:rPr lang="ko-KR" altLang="en-US" sz="1000" dirty="0" err="1">
+                <a:solidFill>
+                  <a:schemeClr val="tx1"/>
+                </a:solidFill>
+              </a:rPr>
+              <a:t>누를때마다</a:t>
+            </a:r>
+            <a:endParaRPr lang="en-US" altLang="ko-KR" sz="1000" dirty="0">
+              <a:solidFill>
+                <a:schemeClr val="tx1"/>
+              </a:solidFill>
+            </a:endParaRPr>
+          </a:p>
+          <a:p>
+            <a:pPr algn="ctr"/>
+            <a:r>
+              <a:rPr lang="en-US" altLang="ko-KR" sz="1000" dirty="0">
+                <a:solidFill>
+                  <a:schemeClr val="tx1"/>
+                </a:solidFill>
+              </a:rPr>
+              <a:t>ACC off -&gt; standby -&gt; on </a:t>
+            </a:r>
+            <a:r>
+              <a:rPr lang="ko-KR" altLang="en-US" sz="1000" dirty="0">
+                <a:solidFill>
+                  <a:schemeClr val="tx1"/>
+                </a:solidFill>
+              </a:rPr>
+              <a:t>반복</a:t>
+            </a:r>
+            <a:endParaRPr lang="en-US" altLang="ko-KR" sz="1000" dirty="0">
+              <a:solidFill>
+                <a:schemeClr val="tx1"/>
+              </a:solidFill>
+            </a:endParaRPr>
+          </a:p>
+        </p:txBody>
+      </p:sp>
+      <p:sp>
+        <p:nvSpPr>
+          <p:cNvPr id="2" name="직사각형 1">
+            <a:extLst>
+              <a:ext uri="{FF2B5EF4-FFF2-40B4-BE49-F238E27FC236}">
+                <a16:creationId xmlns:a16="http://schemas.microsoft.com/office/drawing/2014/main" id="{63C07CA6-F592-6F94-3668-CC062DD2443E}"/>
+              </a:ext>
+            </a:extLst>
+          </p:cNvPr>
+          <p:cNvSpPr/>
+          <p:nvPr/>
+        </p:nvSpPr>
+        <p:spPr>
+          <a:xfrm>
+            <a:off x="7341520" y="3524378"/>
+            <a:ext cx="1790079" cy="1456872"/>
+          </a:xfrm>
+          <a:prstGeom prst="rect">
+            <a:avLst/>
+          </a:prstGeom>
+          <a:noFill/>
+        </p:spPr>
+        <p:style>
+          <a:lnRef idx="2">
+            <a:schemeClr val="accent1">
+              <a:shade val="15000"/>
+            </a:schemeClr>
+          </a:lnRef>
+          <a:fillRef idx="1">
+            <a:schemeClr val="accent1"/>
+          </a:fillRef>
+          <a:effectRef idx="0">
+            <a:schemeClr val="accent1"/>
+          </a:effectRef>
+          <a:fontRef idx="minor">
+            <a:schemeClr val="lt1"/>
+          </a:fontRef>
+        </p:style>
+        <p:txBody>
+          <a:bodyPr rtlCol="0" anchor="ctr"/>
+          <a:lstStyle/>
+          <a:p>
+            <a:pPr algn="ctr"/>
+            <a:r>
+              <a:rPr lang="en-US" altLang="ko-KR" sz="1000" dirty="0">
+                <a:solidFill>
+                  <a:schemeClr val="tx1"/>
+                </a:solidFill>
+              </a:rPr>
+              <a:t>Motor</a:t>
+            </a:r>
+          </a:p>
+        </p:txBody>
+      </p:sp>
+      <p:sp>
+        <p:nvSpPr>
+          <p:cNvPr id="3" name="직사각형 2">
+            <a:extLst>
+              <a:ext uri="{FF2B5EF4-FFF2-40B4-BE49-F238E27FC236}">
+                <a16:creationId xmlns:a16="http://schemas.microsoft.com/office/drawing/2014/main" id="{6F8FA229-06A2-AFB1-20D5-22743954A05D}"/>
+              </a:ext>
+            </a:extLst>
+          </p:cNvPr>
+          <p:cNvSpPr/>
+          <p:nvPr/>
+        </p:nvSpPr>
+        <p:spPr>
+          <a:xfrm>
+            <a:off x="2795063" y="3516344"/>
+            <a:ext cx="1790079" cy="1456872"/>
+          </a:xfrm>
+          <a:prstGeom prst="rect">
+            <a:avLst/>
+          </a:prstGeom>
+          <a:noFill/>
+        </p:spPr>
+        <p:style>
+          <a:lnRef idx="2">
+            <a:schemeClr val="accent1">
+              <a:shade val="15000"/>
+            </a:schemeClr>
+          </a:lnRef>
+          <a:fillRef idx="1">
+            <a:schemeClr val="accent1"/>
+          </a:fillRef>
+          <a:effectRef idx="0">
+            <a:schemeClr val="accent1"/>
+          </a:effectRef>
+          <a:fontRef idx="minor">
+            <a:schemeClr val="lt1"/>
+          </a:fontRef>
+        </p:style>
+        <p:txBody>
+          <a:bodyPr rtlCol="0" anchor="ctr"/>
+          <a:lstStyle/>
+          <a:p>
+            <a:pPr algn="ctr"/>
+            <a:r>
+              <a:rPr lang="en-US" altLang="ko-KR" sz="1000" dirty="0" err="1">
+                <a:solidFill>
+                  <a:schemeClr val="tx1"/>
+                </a:solidFill>
+              </a:rPr>
+              <a:t>Red_LED</a:t>
+            </a:r>
+            <a:endParaRPr lang="en-US" altLang="ko-KR" sz="1000" dirty="0">
+              <a:solidFill>
+                <a:schemeClr val="tx1"/>
+              </a:solidFill>
+            </a:endParaRPr>
+          </a:p>
+          <a:p>
+            <a:pPr algn="ctr"/>
+            <a:endParaRPr lang="en-US" altLang="ko-KR" sz="1000" dirty="0">
+              <a:solidFill>
+                <a:schemeClr val="tx1"/>
+              </a:solidFill>
+            </a:endParaRPr>
+          </a:p>
+          <a:p>
+            <a:pPr algn="ctr"/>
+            <a:r>
+              <a:rPr lang="en-US" altLang="ko-KR" sz="1000" dirty="0">
+                <a:solidFill>
+                  <a:schemeClr val="tx1"/>
+                </a:solidFill>
+              </a:rPr>
+              <a:t>Off -&gt; 1</a:t>
+            </a:r>
+            <a:r>
+              <a:rPr lang="ko-KR" altLang="en-US" sz="1000" dirty="0" err="1">
+                <a:solidFill>
+                  <a:schemeClr val="tx1"/>
+                </a:solidFill>
+              </a:rPr>
+              <a:t>초주기</a:t>
+            </a:r>
+            <a:endParaRPr lang="en-US" altLang="ko-KR" sz="1000" dirty="0">
+              <a:solidFill>
+                <a:schemeClr val="tx1"/>
+              </a:solidFill>
+            </a:endParaRPr>
+          </a:p>
+          <a:p>
+            <a:pPr algn="ctr"/>
+            <a:r>
+              <a:rPr lang="en-US" altLang="ko-KR" sz="1000" dirty="0">
+                <a:solidFill>
+                  <a:schemeClr val="tx1"/>
+                </a:solidFill>
+              </a:rPr>
+              <a:t>Standby -&gt; 0.2</a:t>
+            </a:r>
+            <a:r>
+              <a:rPr lang="ko-KR" altLang="en-US" sz="1000" dirty="0" err="1">
+                <a:solidFill>
+                  <a:schemeClr val="tx1"/>
+                </a:solidFill>
+              </a:rPr>
+              <a:t>초주기</a:t>
+            </a:r>
+            <a:endParaRPr lang="en-US" altLang="ko-KR" sz="1000" dirty="0">
+              <a:solidFill>
+                <a:schemeClr val="tx1"/>
+              </a:solidFill>
+            </a:endParaRPr>
+          </a:p>
+          <a:p>
+            <a:pPr algn="ctr"/>
+            <a:r>
+              <a:rPr lang="en-US" altLang="ko-KR" sz="1000" dirty="0">
+                <a:solidFill>
+                  <a:schemeClr val="tx1"/>
+                </a:solidFill>
+              </a:rPr>
+              <a:t>On -&gt; </a:t>
+            </a:r>
+            <a:r>
+              <a:rPr lang="ko-KR" altLang="en-US" sz="1000" dirty="0">
+                <a:solidFill>
+                  <a:schemeClr val="tx1"/>
+                </a:solidFill>
+              </a:rPr>
+              <a:t>항상 </a:t>
+            </a:r>
+            <a:r>
+              <a:rPr lang="ko-KR" altLang="en-US" sz="1000" dirty="0" err="1">
+                <a:solidFill>
+                  <a:schemeClr val="tx1"/>
+                </a:solidFill>
+              </a:rPr>
+              <a:t>켜짐</a:t>
+            </a:r>
+            <a:endParaRPr lang="en-US" altLang="ko-KR" sz="1000" dirty="0">
+              <a:solidFill>
+                <a:schemeClr val="tx1"/>
+              </a:solidFill>
+            </a:endParaRPr>
+          </a:p>
+        </p:txBody>
+      </p:sp>
+      <p:sp>
+        <p:nvSpPr>
+          <p:cNvPr id="4" name="직사각형 3">
+            <a:extLst>
+              <a:ext uri="{FF2B5EF4-FFF2-40B4-BE49-F238E27FC236}">
+                <a16:creationId xmlns:a16="http://schemas.microsoft.com/office/drawing/2014/main" id="{1A4C2A8F-CED5-CC3B-5CA7-73E489E763E2}"/>
+              </a:ext>
+            </a:extLst>
+          </p:cNvPr>
+          <p:cNvSpPr/>
+          <p:nvPr/>
+        </p:nvSpPr>
+        <p:spPr>
+          <a:xfrm>
+            <a:off x="5059289" y="3524378"/>
+            <a:ext cx="1790079" cy="1456872"/>
+          </a:xfrm>
+          <a:prstGeom prst="rect">
+            <a:avLst/>
+          </a:prstGeom>
+          <a:noFill/>
+        </p:spPr>
+        <p:style>
+          <a:lnRef idx="2">
+            <a:schemeClr val="accent1">
+              <a:shade val="15000"/>
+            </a:schemeClr>
+          </a:lnRef>
+          <a:fillRef idx="1">
+            <a:schemeClr val="accent1"/>
+          </a:fillRef>
+          <a:effectRef idx="0">
+            <a:schemeClr val="accent1"/>
+          </a:effectRef>
+          <a:fontRef idx="minor">
+            <a:schemeClr val="lt1"/>
+          </a:fontRef>
+        </p:style>
+        <p:txBody>
+          <a:bodyPr rtlCol="0" anchor="ctr"/>
+          <a:lstStyle/>
+          <a:p>
+            <a:pPr algn="ctr"/>
+            <a:r>
+              <a:rPr lang="en-US" altLang="ko-KR" sz="1000" dirty="0" err="1">
+                <a:solidFill>
+                  <a:schemeClr val="tx1"/>
+                </a:solidFill>
+              </a:rPr>
+              <a:t>Blue_LED</a:t>
+            </a:r>
+            <a:endParaRPr lang="en-US" altLang="ko-KR" sz="1000" dirty="0">
+              <a:solidFill>
+                <a:schemeClr val="tx1"/>
+              </a:solidFill>
+            </a:endParaRPr>
+          </a:p>
+          <a:p>
+            <a:pPr algn="ctr"/>
+            <a:endParaRPr lang="en-US" altLang="ko-KR" sz="1000" dirty="0">
+              <a:solidFill>
+                <a:schemeClr val="tx1"/>
+              </a:solidFill>
+            </a:endParaRPr>
+          </a:p>
+          <a:p>
+            <a:pPr algn="ctr"/>
+            <a:r>
+              <a:rPr lang="ko-KR" altLang="en-US" sz="1000" dirty="0">
+                <a:solidFill>
+                  <a:schemeClr val="tx1"/>
+                </a:solidFill>
+              </a:rPr>
+              <a:t>초음파 </a:t>
+            </a:r>
+            <a:r>
+              <a:rPr lang="en-US" altLang="ko-KR" sz="1000" dirty="0">
+                <a:solidFill>
+                  <a:schemeClr val="tx1"/>
+                </a:solidFill>
+              </a:rPr>
+              <a:t>&lt; 50cm -&gt; 0.2</a:t>
+            </a:r>
+            <a:r>
+              <a:rPr lang="ko-KR" altLang="en-US" sz="1000" dirty="0" err="1">
+                <a:solidFill>
+                  <a:schemeClr val="tx1"/>
+                </a:solidFill>
+              </a:rPr>
+              <a:t>초주기</a:t>
+            </a:r>
+            <a:r>
+              <a:rPr lang="ko-KR" altLang="en-US" sz="1000" dirty="0">
+                <a:solidFill>
+                  <a:schemeClr val="tx1"/>
+                </a:solidFill>
+              </a:rPr>
+              <a:t> </a:t>
+            </a:r>
+            <a:endParaRPr lang="en-US" altLang="ko-KR" sz="1000" dirty="0">
+              <a:solidFill>
+                <a:schemeClr val="tx1"/>
+              </a:solidFill>
+            </a:endParaRPr>
+          </a:p>
+          <a:p>
+            <a:pPr algn="ctr"/>
+            <a:r>
+              <a:rPr lang="ko-KR" altLang="en-US" sz="1000" dirty="0">
+                <a:solidFill>
+                  <a:schemeClr val="tx1"/>
+                </a:solidFill>
+              </a:rPr>
+              <a:t>초음파 </a:t>
+            </a:r>
+            <a:r>
+              <a:rPr lang="en-US" altLang="ko-KR" sz="1000" dirty="0">
+                <a:solidFill>
+                  <a:schemeClr val="tx1"/>
+                </a:solidFill>
+              </a:rPr>
+              <a:t>&lt;10cm -&gt; </a:t>
+            </a:r>
+            <a:r>
+              <a:rPr lang="ko-KR" altLang="en-US" sz="1000" dirty="0" err="1">
+                <a:solidFill>
+                  <a:schemeClr val="tx1"/>
+                </a:solidFill>
+              </a:rPr>
+              <a:t>항상켜짐</a:t>
+            </a:r>
+            <a:endParaRPr lang="en-US" altLang="ko-KR" sz="1000" dirty="0">
+              <a:solidFill>
+                <a:schemeClr val="tx1"/>
+              </a:solidFill>
+            </a:endParaRPr>
+          </a:p>
+        </p:txBody>
+      </p:sp>
+      <p:sp>
+        <p:nvSpPr>
+          <p:cNvPr id="5" name="직사각형 4">
+            <a:extLst>
+              <a:ext uri="{FF2B5EF4-FFF2-40B4-BE49-F238E27FC236}">
+                <a16:creationId xmlns:a16="http://schemas.microsoft.com/office/drawing/2014/main" id="{26C425B7-18F4-383C-8726-2153D33E18C8}"/>
+              </a:ext>
+            </a:extLst>
+          </p:cNvPr>
+          <p:cNvSpPr/>
+          <p:nvPr/>
+        </p:nvSpPr>
+        <p:spPr>
+          <a:xfrm>
+            <a:off x="9681897" y="3524378"/>
+            <a:ext cx="1790079" cy="1456872"/>
+          </a:xfrm>
+          <a:prstGeom prst="rect">
+            <a:avLst/>
+          </a:prstGeom>
+          <a:noFill/>
+        </p:spPr>
+        <p:style>
+          <a:lnRef idx="2">
+            <a:schemeClr val="accent1">
+              <a:shade val="15000"/>
+            </a:schemeClr>
+          </a:lnRef>
+          <a:fillRef idx="1">
+            <a:schemeClr val="accent1"/>
+          </a:fillRef>
+          <a:effectRef idx="0">
+            <a:schemeClr val="accent1"/>
+          </a:effectRef>
+          <a:fontRef idx="minor">
+            <a:schemeClr val="lt1"/>
+          </a:fontRef>
+        </p:style>
+        <p:txBody>
+          <a:bodyPr rtlCol="0" anchor="ctr"/>
+          <a:lstStyle/>
+          <a:p>
+            <a:pPr algn="ctr"/>
+            <a:r>
+              <a:rPr lang="en-US" altLang="ko-KR" sz="1000" dirty="0">
+                <a:solidFill>
+                  <a:schemeClr val="tx1"/>
+                </a:solidFill>
+              </a:rPr>
+              <a:t>RGB_LED</a:t>
+            </a:r>
+          </a:p>
+          <a:p>
+            <a:pPr algn="ctr"/>
+            <a:endParaRPr lang="en-US" altLang="ko-KR" sz="1000" dirty="0">
+              <a:solidFill>
+                <a:schemeClr val="tx1"/>
+              </a:solidFill>
+            </a:endParaRPr>
+          </a:p>
+          <a:p>
+            <a:pPr algn="ctr"/>
+            <a:r>
+              <a:rPr lang="ko-KR" altLang="en-US" sz="1000" dirty="0">
+                <a:solidFill>
+                  <a:schemeClr val="tx1"/>
+                </a:solidFill>
+              </a:rPr>
+              <a:t>어두우면 </a:t>
+            </a:r>
+            <a:r>
+              <a:rPr lang="en-US" altLang="ko-KR" sz="1000" dirty="0">
+                <a:solidFill>
+                  <a:schemeClr val="tx1"/>
+                </a:solidFill>
+              </a:rPr>
+              <a:t>on,</a:t>
+            </a:r>
+          </a:p>
+          <a:p>
+            <a:pPr algn="ctr"/>
+            <a:r>
+              <a:rPr lang="ko-KR" altLang="en-US" sz="1000" dirty="0">
+                <a:solidFill>
+                  <a:schemeClr val="tx1"/>
+                </a:solidFill>
+              </a:rPr>
+              <a:t>밝으면 </a:t>
+            </a:r>
+            <a:r>
+              <a:rPr lang="en-US" altLang="ko-KR" sz="1000" dirty="0">
+                <a:solidFill>
+                  <a:schemeClr val="tx1"/>
+                </a:solidFill>
+              </a:rPr>
+              <a:t>off</a:t>
+            </a:r>
+          </a:p>
+        </p:txBody>
+      </p:sp>
+      <p:sp>
+        <p:nvSpPr>
+          <p:cNvPr id="8" name="직사각형 7">
+            <a:extLst>
+              <a:ext uri="{FF2B5EF4-FFF2-40B4-BE49-F238E27FC236}">
+                <a16:creationId xmlns:a16="http://schemas.microsoft.com/office/drawing/2014/main" id="{53466F46-8C76-347B-4F0C-860EB41EBAAC}"/>
+              </a:ext>
+            </a:extLst>
+          </p:cNvPr>
+          <p:cNvSpPr/>
+          <p:nvPr/>
+        </p:nvSpPr>
+        <p:spPr>
+          <a:xfrm>
+            <a:off x="2904617" y="1056173"/>
+            <a:ext cx="6099424" cy="604676"/>
+          </a:xfrm>
+          <a:prstGeom prst="rect">
+            <a:avLst/>
+          </a:prstGeom>
+          <a:noFill/>
+        </p:spPr>
+        <p:style>
+          <a:lnRef idx="2">
+            <a:schemeClr val="accent1">
+              <a:shade val="15000"/>
+            </a:schemeClr>
+          </a:lnRef>
+          <a:fillRef idx="1">
+            <a:schemeClr val="accent1"/>
+          </a:fillRef>
+          <a:effectRef idx="0">
+            <a:schemeClr val="accent1"/>
+          </a:effectRef>
+          <a:fontRef idx="minor">
+            <a:schemeClr val="lt1"/>
+          </a:fontRef>
+        </p:style>
+        <p:txBody>
+          <a:bodyPr rtlCol="0" anchor="ctr"/>
+          <a:lstStyle/>
+          <a:p>
+            <a:pPr algn="ctr"/>
+            <a:r>
+              <a:rPr lang="en-US" altLang="ko-KR" sz="2000" dirty="0">
+                <a:solidFill>
+                  <a:schemeClr val="tx1"/>
+                </a:solidFill>
+              </a:rPr>
+              <a:t>Mega 2560</a:t>
+            </a:r>
+          </a:p>
+        </p:txBody>
+      </p:sp>
+      <p:cxnSp>
+        <p:nvCxnSpPr>
+          <p:cNvPr id="10" name="직선 화살표 연결선 9">
+            <a:extLst>
+              <a:ext uri="{FF2B5EF4-FFF2-40B4-BE49-F238E27FC236}">
+                <a16:creationId xmlns:a16="http://schemas.microsoft.com/office/drawing/2014/main" id="{068C1EC3-2CB1-36E0-C972-746371F664EB}"/>
+              </a:ext>
+            </a:extLst>
+          </p:cNvPr>
+          <p:cNvCxnSpPr/>
+          <p:nvPr/>
+        </p:nvCxnSpPr>
+        <p:spPr>
+          <a:xfrm flipH="1">
+            <a:off x="933061" y="1660849"/>
+            <a:ext cx="2080727" cy="1855495"/>
+          </a:xfrm>
+          <a:prstGeom prst="straightConnector1">
+            <a:avLst/>
+          </a:prstGeom>
+          <a:ln>
+            <a:tailEnd type="triangle"/>
+          </a:ln>
+        </p:spPr>
+        <p:style>
+          <a:lnRef idx="1">
+            <a:schemeClr val="accent1"/>
+          </a:lnRef>
+          <a:fillRef idx="0">
+            <a:schemeClr val="accent1"/>
+          </a:fillRef>
+          <a:effectRef idx="0">
+            <a:schemeClr val="accent1"/>
+          </a:effectRef>
+          <a:fontRef idx="minor">
+            <a:schemeClr val="tx1"/>
+          </a:fontRef>
+        </p:style>
+      </p:cxnSp>
+      <p:cxnSp>
+        <p:nvCxnSpPr>
+          <p:cNvPr id="11" name="직선 화살표 연결선 10">
+            <a:extLst>
+              <a:ext uri="{FF2B5EF4-FFF2-40B4-BE49-F238E27FC236}">
+                <a16:creationId xmlns:a16="http://schemas.microsoft.com/office/drawing/2014/main" id="{82C79152-38D7-47CE-8AFB-CD71A61DA44A}"/>
+              </a:ext>
+            </a:extLst>
+          </p:cNvPr>
+          <p:cNvCxnSpPr>
+            <a:cxnSpLocks/>
+            <a:stCxn id="8" idx="2"/>
+            <a:endCxn id="4" idx="0"/>
+          </p:cNvCxnSpPr>
+          <p:nvPr/>
+        </p:nvCxnSpPr>
+        <p:spPr>
+          <a:xfrm>
+            <a:off x="5954329" y="1660849"/>
+            <a:ext cx="0" cy="1863529"/>
+          </a:xfrm>
+          <a:prstGeom prst="straightConnector1">
+            <a:avLst/>
+          </a:prstGeom>
+          <a:ln>
+            <a:tailEnd type="triangle"/>
+          </a:ln>
+        </p:spPr>
+        <p:style>
+          <a:lnRef idx="1">
+            <a:schemeClr val="accent1"/>
+          </a:lnRef>
+          <a:fillRef idx="0">
+            <a:schemeClr val="accent1"/>
+          </a:fillRef>
+          <a:effectRef idx="0">
+            <a:schemeClr val="accent1"/>
+          </a:effectRef>
+          <a:fontRef idx="minor">
+            <a:schemeClr val="tx1"/>
+          </a:fontRef>
+        </p:style>
+      </p:cxnSp>
+      <p:cxnSp>
+        <p:nvCxnSpPr>
+          <p:cNvPr id="14" name="직선 화살표 연결선 13">
+            <a:extLst>
+              <a:ext uri="{FF2B5EF4-FFF2-40B4-BE49-F238E27FC236}">
+                <a16:creationId xmlns:a16="http://schemas.microsoft.com/office/drawing/2014/main" id="{9FC81365-2574-89D5-4CD3-82D5CD6BB93E}"/>
+              </a:ext>
+            </a:extLst>
+          </p:cNvPr>
+          <p:cNvCxnSpPr>
+            <a:cxnSpLocks/>
+            <a:endCxn id="5" idx="0"/>
+          </p:cNvCxnSpPr>
+          <p:nvPr/>
+        </p:nvCxnSpPr>
+        <p:spPr>
+          <a:xfrm>
+            <a:off x="8728714" y="1652813"/>
+            <a:ext cx="1848223" cy="1871565"/>
+          </a:xfrm>
+          <a:prstGeom prst="straightConnector1">
+            <a:avLst/>
+          </a:prstGeom>
+          <a:ln>
+            <a:tailEnd type="triangle"/>
+          </a:ln>
+        </p:spPr>
+        <p:style>
+          <a:lnRef idx="1">
+            <a:schemeClr val="accent1"/>
+          </a:lnRef>
+          <a:fillRef idx="0">
+            <a:schemeClr val="accent1"/>
+          </a:fillRef>
+          <a:effectRef idx="0">
+            <a:schemeClr val="accent1"/>
+          </a:effectRef>
+          <a:fontRef idx="minor">
+            <a:schemeClr val="tx1"/>
+          </a:fontRef>
+        </p:style>
+      </p:cxnSp>
+      <p:sp>
+        <p:nvSpPr>
+          <p:cNvPr id="18" name="TextBox 17">
+            <a:extLst>
+              <a:ext uri="{FF2B5EF4-FFF2-40B4-BE49-F238E27FC236}">
+                <a16:creationId xmlns:a16="http://schemas.microsoft.com/office/drawing/2014/main" id="{12C1B808-38A5-F5AD-D986-4A7A9AE5DA5C}"/>
+              </a:ext>
+            </a:extLst>
+          </p:cNvPr>
+          <p:cNvSpPr txBox="1"/>
+          <p:nvPr/>
+        </p:nvSpPr>
+        <p:spPr>
+          <a:xfrm>
+            <a:off x="1322220" y="2342375"/>
+            <a:ext cx="481538" cy="246221"/>
+          </a:xfrm>
+          <a:prstGeom prst="rect">
+            <a:avLst/>
+          </a:prstGeom>
+          <a:noFill/>
+        </p:spPr>
+        <p:txBody>
+          <a:bodyPr wrap="square" rtlCol="0">
+            <a:spAutoFit/>
+          </a:bodyPr>
+          <a:lstStyle/>
+          <a:p>
+            <a:r>
+              <a:rPr lang="en-US" altLang="ko-KR" sz="1000" dirty="0"/>
+              <a:t>sw1</a:t>
+            </a:r>
+            <a:endParaRPr lang="ko-KR" altLang="en-US" sz="1000" dirty="0"/>
+          </a:p>
+        </p:txBody>
+      </p:sp>
+      <p:sp>
+        <p:nvSpPr>
+          <p:cNvPr id="19" name="TextBox 18">
+            <a:extLst>
+              <a:ext uri="{FF2B5EF4-FFF2-40B4-BE49-F238E27FC236}">
+                <a16:creationId xmlns:a16="http://schemas.microsoft.com/office/drawing/2014/main" id="{2A78A603-1BF0-A2D9-59C3-0ECB1D685F19}"/>
+              </a:ext>
+            </a:extLst>
+          </p:cNvPr>
+          <p:cNvSpPr txBox="1"/>
+          <p:nvPr/>
+        </p:nvSpPr>
+        <p:spPr>
+          <a:xfrm>
+            <a:off x="2554294" y="2403335"/>
+            <a:ext cx="481538" cy="246221"/>
+          </a:xfrm>
+          <a:prstGeom prst="rect">
+            <a:avLst/>
+          </a:prstGeom>
+          <a:noFill/>
+        </p:spPr>
+        <p:txBody>
+          <a:bodyPr wrap="square" rtlCol="0">
+            <a:spAutoFit/>
+          </a:bodyPr>
+          <a:lstStyle/>
+          <a:p>
+            <a:r>
+              <a:rPr lang="en-US" altLang="ko-KR" sz="1000" dirty="0"/>
+              <a:t>sw2</a:t>
+            </a:r>
+            <a:endParaRPr lang="ko-KR" altLang="en-US" sz="1000" dirty="0"/>
+          </a:p>
+        </p:txBody>
+      </p:sp>
+      <p:sp>
+        <p:nvSpPr>
+          <p:cNvPr id="20" name="TextBox 19">
+            <a:extLst>
+              <a:ext uri="{FF2B5EF4-FFF2-40B4-BE49-F238E27FC236}">
+                <a16:creationId xmlns:a16="http://schemas.microsoft.com/office/drawing/2014/main" id="{E9DBFA84-7F8E-B328-C183-A458D965299F}"/>
+              </a:ext>
+            </a:extLst>
+          </p:cNvPr>
+          <p:cNvSpPr txBox="1"/>
+          <p:nvPr/>
+        </p:nvSpPr>
+        <p:spPr>
+          <a:xfrm>
+            <a:off x="9681897" y="2096154"/>
+            <a:ext cx="978483" cy="246221"/>
+          </a:xfrm>
+          <a:prstGeom prst="rect">
+            <a:avLst/>
+          </a:prstGeom>
+          <a:noFill/>
+        </p:spPr>
+        <p:txBody>
+          <a:bodyPr wrap="square" rtlCol="0">
+            <a:spAutoFit/>
+          </a:bodyPr>
+          <a:lstStyle/>
+          <a:p>
+            <a:r>
+              <a:rPr lang="en-US" altLang="ko-KR" sz="1000" dirty="0" err="1"/>
+              <a:t>Light_register</a:t>
+            </a:r>
+            <a:endParaRPr lang="ko-KR" altLang="en-US" sz="1000" dirty="0"/>
+          </a:p>
+        </p:txBody>
+      </p:sp>
+      <p:cxnSp>
+        <p:nvCxnSpPr>
+          <p:cNvPr id="25" name="연결선: 꺾임 24">
+            <a:extLst>
+              <a:ext uri="{FF2B5EF4-FFF2-40B4-BE49-F238E27FC236}">
+                <a16:creationId xmlns:a16="http://schemas.microsoft.com/office/drawing/2014/main" id="{08E25B20-049E-46DC-448B-DCE37F491A54}"/>
+              </a:ext>
+            </a:extLst>
+          </p:cNvPr>
+          <p:cNvCxnSpPr>
+            <a:stCxn id="7" idx="2"/>
+            <a:endCxn id="3" idx="2"/>
+          </p:cNvCxnSpPr>
+          <p:nvPr/>
+        </p:nvCxnSpPr>
+        <p:spPr>
+          <a:xfrm rot="16200000" flipH="1">
+            <a:off x="2506162" y="3789275"/>
+            <a:ext cx="12700" cy="2367882"/>
+          </a:xfrm>
+          <a:prstGeom prst="bentConnector3">
+            <a:avLst>
+              <a:gd name="adj1" fmla="val 1800000"/>
+            </a:avLst>
+          </a:prstGeom>
+          <a:ln>
+            <a:tailEnd type="triangle"/>
+          </a:ln>
+        </p:spPr>
+        <p:style>
+          <a:lnRef idx="1">
+            <a:schemeClr val="accent1"/>
+          </a:lnRef>
+          <a:fillRef idx="0">
+            <a:schemeClr val="accent1"/>
+          </a:fillRef>
+          <a:effectRef idx="0">
+            <a:schemeClr val="accent1"/>
+          </a:effectRef>
+          <a:fontRef idx="minor">
+            <a:schemeClr val="tx1"/>
+          </a:fontRef>
+        </p:style>
+      </p:cxnSp>
+      <p:cxnSp>
+        <p:nvCxnSpPr>
+          <p:cNvPr id="31" name="직선 화살표 연결선 30">
+            <a:extLst>
+              <a:ext uri="{FF2B5EF4-FFF2-40B4-BE49-F238E27FC236}">
+                <a16:creationId xmlns:a16="http://schemas.microsoft.com/office/drawing/2014/main" id="{2A4B4D00-0F6C-9738-087B-4E5BB569544B}"/>
+              </a:ext>
+            </a:extLst>
+          </p:cNvPr>
+          <p:cNvCxnSpPr/>
+          <p:nvPr/>
+        </p:nvCxnSpPr>
+        <p:spPr>
+          <a:xfrm flipH="1">
+            <a:off x="1358420" y="1652813"/>
+            <a:ext cx="2080727" cy="1855495"/>
+          </a:xfrm>
+          <a:prstGeom prst="straightConnector1">
+            <a:avLst/>
+          </a:prstGeom>
+          <a:ln>
+            <a:tailEnd type="triangle"/>
+          </a:ln>
+        </p:spPr>
+        <p:style>
+          <a:lnRef idx="1">
+            <a:schemeClr val="accent1"/>
+          </a:lnRef>
+          <a:fillRef idx="0">
+            <a:schemeClr val="accent1"/>
+          </a:fillRef>
+          <a:effectRef idx="0">
+            <a:schemeClr val="accent1"/>
+          </a:effectRef>
+          <a:fontRef idx="minor">
+            <a:schemeClr val="tx1"/>
+          </a:fontRef>
+        </p:style>
+      </p:cxnSp>
+      <p:cxnSp>
+        <p:nvCxnSpPr>
+          <p:cNvPr id="32" name="연결선: 꺾임 31">
+            <a:extLst>
+              <a:ext uri="{FF2B5EF4-FFF2-40B4-BE49-F238E27FC236}">
+                <a16:creationId xmlns:a16="http://schemas.microsoft.com/office/drawing/2014/main" id="{7F896D4A-8833-9D9D-C5CC-804E57FCD45E}"/>
+              </a:ext>
+            </a:extLst>
+          </p:cNvPr>
+          <p:cNvCxnSpPr>
+            <a:cxnSpLocks/>
+            <a:stCxn id="7" idx="2"/>
+            <a:endCxn id="4" idx="2"/>
+          </p:cNvCxnSpPr>
+          <p:nvPr/>
+        </p:nvCxnSpPr>
+        <p:spPr>
+          <a:xfrm rot="16200000" flipH="1">
+            <a:off x="3634258" y="2661179"/>
+            <a:ext cx="8034" cy="4632108"/>
+          </a:xfrm>
+          <a:prstGeom prst="bentConnector3">
+            <a:avLst>
+              <a:gd name="adj1" fmla="val 2945407"/>
+            </a:avLst>
+          </a:prstGeom>
+          <a:ln>
+            <a:tailEnd type="triangle"/>
+          </a:ln>
+        </p:spPr>
+        <p:style>
+          <a:lnRef idx="1">
+            <a:schemeClr val="accent1"/>
+          </a:lnRef>
+          <a:fillRef idx="0">
+            <a:schemeClr val="accent1"/>
+          </a:fillRef>
+          <a:effectRef idx="0">
+            <a:schemeClr val="accent1"/>
+          </a:effectRef>
+          <a:fontRef idx="minor">
+            <a:schemeClr val="tx1"/>
+          </a:fontRef>
+        </p:style>
+      </p:cxnSp>
+      <p:cxnSp>
+        <p:nvCxnSpPr>
+          <p:cNvPr id="37" name="직선 화살표 연결선 36">
+            <a:extLst>
+              <a:ext uri="{FF2B5EF4-FFF2-40B4-BE49-F238E27FC236}">
+                <a16:creationId xmlns:a16="http://schemas.microsoft.com/office/drawing/2014/main" id="{3263BB8B-08B0-0891-29C2-70C83C137922}"/>
+              </a:ext>
+            </a:extLst>
+          </p:cNvPr>
+          <p:cNvCxnSpPr>
+            <a:cxnSpLocks/>
+          </p:cNvCxnSpPr>
+          <p:nvPr/>
+        </p:nvCxnSpPr>
+        <p:spPr>
+          <a:xfrm>
+            <a:off x="6506856" y="1652813"/>
+            <a:ext cx="1848223" cy="1871565"/>
+          </a:xfrm>
+          <a:prstGeom prst="straightConnector1">
+            <a:avLst/>
+          </a:prstGeom>
+          <a:ln>
+            <a:tailEnd type="triangle"/>
+          </a:ln>
+        </p:spPr>
+        <p:style>
+          <a:lnRef idx="1">
+            <a:schemeClr val="accent1"/>
+          </a:lnRef>
+          <a:fillRef idx="0">
+            <a:schemeClr val="accent1"/>
+          </a:fillRef>
+          <a:effectRef idx="0">
+            <a:schemeClr val="accent1"/>
+          </a:effectRef>
+          <a:fontRef idx="minor">
+            <a:schemeClr val="tx1"/>
+          </a:fontRef>
+        </p:style>
+      </p:cxnSp>
+      <p:sp>
+        <p:nvSpPr>
+          <p:cNvPr id="38" name="TextBox 37">
+            <a:extLst>
+              <a:ext uri="{FF2B5EF4-FFF2-40B4-BE49-F238E27FC236}">
+                <a16:creationId xmlns:a16="http://schemas.microsoft.com/office/drawing/2014/main" id="{23C1F875-3E80-7E70-6C00-FF4EFD7472CB}"/>
+              </a:ext>
+            </a:extLst>
+          </p:cNvPr>
+          <p:cNvSpPr txBox="1"/>
+          <p:nvPr/>
+        </p:nvSpPr>
+        <p:spPr>
+          <a:xfrm>
+            <a:off x="7323517" y="2096154"/>
+            <a:ext cx="1218503" cy="246221"/>
+          </a:xfrm>
+          <a:prstGeom prst="rect">
+            <a:avLst/>
+          </a:prstGeom>
+          <a:noFill/>
+        </p:spPr>
+        <p:txBody>
+          <a:bodyPr wrap="square" rtlCol="0">
+            <a:spAutoFit/>
+          </a:bodyPr>
+          <a:lstStyle/>
+          <a:p>
+            <a:r>
+              <a:rPr lang="en-US" altLang="ko-KR" sz="1000" dirty="0" err="1"/>
+              <a:t>Variable_register</a:t>
+            </a:r>
+            <a:endParaRPr lang="ko-KR" altLang="en-US" sz="1000" dirty="0"/>
+          </a:p>
+        </p:txBody>
+      </p:sp>
+      <p:sp>
+        <p:nvSpPr>
+          <p:cNvPr id="6" name="TextBox 5">
+            <a:extLst>
+              <a:ext uri="{FF2B5EF4-FFF2-40B4-BE49-F238E27FC236}">
+                <a16:creationId xmlns:a16="http://schemas.microsoft.com/office/drawing/2014/main" id="{42C2D32F-A9E8-6E9C-FFC8-4A082963B412}"/>
+              </a:ext>
+            </a:extLst>
+          </p:cNvPr>
+          <p:cNvSpPr txBox="1"/>
+          <p:nvPr/>
+        </p:nvSpPr>
+        <p:spPr>
+          <a:xfrm>
+            <a:off x="4398667" y="5241732"/>
+            <a:ext cx="660622" cy="400110"/>
+          </a:xfrm>
+          <a:prstGeom prst="rect">
+            <a:avLst/>
+          </a:prstGeom>
+          <a:noFill/>
+        </p:spPr>
+        <p:txBody>
+          <a:bodyPr wrap="square" rtlCol="0">
+            <a:spAutoFit/>
+          </a:bodyPr>
+          <a:lstStyle/>
+          <a:p>
+            <a:r>
+              <a:rPr lang="en-US" altLang="ko-KR" sz="1000" dirty="0"/>
+              <a:t>Acc mode</a:t>
+            </a:r>
+            <a:endParaRPr lang="ko-KR" altLang="en-US" sz="1000" dirty="0"/>
+          </a:p>
+        </p:txBody>
+      </p:sp>
+      <p:cxnSp>
+        <p:nvCxnSpPr>
+          <p:cNvPr id="9" name="연결선: 꺾임 8">
+            <a:extLst>
+              <a:ext uri="{FF2B5EF4-FFF2-40B4-BE49-F238E27FC236}">
+                <a16:creationId xmlns:a16="http://schemas.microsoft.com/office/drawing/2014/main" id="{4DEDBE2A-4BC5-2ACB-7883-A298EE1A772B}"/>
+              </a:ext>
+            </a:extLst>
+          </p:cNvPr>
+          <p:cNvCxnSpPr>
+            <a:cxnSpLocks/>
+            <a:stCxn id="7" idx="2"/>
+            <a:endCxn id="2" idx="2"/>
+          </p:cNvCxnSpPr>
+          <p:nvPr/>
+        </p:nvCxnSpPr>
+        <p:spPr>
+          <a:xfrm rot="16200000" flipH="1">
+            <a:off x="4775373" y="1520063"/>
+            <a:ext cx="8034" cy="6914339"/>
+          </a:xfrm>
+          <a:prstGeom prst="bentConnector3">
+            <a:avLst>
+              <a:gd name="adj1" fmla="val 2945407"/>
+            </a:avLst>
+          </a:prstGeom>
+          <a:ln>
+            <a:tailEnd type="triangle"/>
+          </a:ln>
+        </p:spPr>
+        <p:style>
+          <a:lnRef idx="1">
+            <a:schemeClr val="accent1"/>
+          </a:lnRef>
+          <a:fillRef idx="0">
+            <a:schemeClr val="accent1"/>
+          </a:fillRef>
+          <a:effectRef idx="0">
+            <a:schemeClr val="accent1"/>
+          </a:effectRef>
+          <a:fontRef idx="minor">
+            <a:schemeClr val="tx1"/>
+          </a:fontRef>
+        </p:style>
+      </p:cxnSp>
+      <p:cxnSp>
+        <p:nvCxnSpPr>
+          <p:cNvPr id="15" name="연결선: 꺾임 14">
+            <a:extLst>
+              <a:ext uri="{FF2B5EF4-FFF2-40B4-BE49-F238E27FC236}">
+                <a16:creationId xmlns:a16="http://schemas.microsoft.com/office/drawing/2014/main" id="{020FDAFD-9BF2-8761-4C14-F3992EDD826E}"/>
+              </a:ext>
+            </a:extLst>
+          </p:cNvPr>
+          <p:cNvCxnSpPr>
+            <a:cxnSpLocks/>
+            <a:stCxn id="7" idx="2"/>
+            <a:endCxn id="5" idx="2"/>
+          </p:cNvCxnSpPr>
+          <p:nvPr/>
+        </p:nvCxnSpPr>
+        <p:spPr>
+          <a:xfrm rot="16200000" flipH="1">
+            <a:off x="5945562" y="349875"/>
+            <a:ext cx="8034" cy="9254716"/>
+          </a:xfrm>
+          <a:prstGeom prst="bentConnector3">
+            <a:avLst>
+              <a:gd name="adj1" fmla="val 2945407"/>
+            </a:avLst>
+          </a:prstGeom>
+          <a:ln>
+            <a:tailEnd type="triangle"/>
+          </a:ln>
+        </p:spPr>
+        <p:style>
+          <a:lnRef idx="1">
+            <a:schemeClr val="accent1"/>
+          </a:lnRef>
+          <a:fillRef idx="0">
+            <a:schemeClr val="accent1"/>
+          </a:fillRef>
+          <a:effectRef idx="0">
+            <a:schemeClr val="accent1"/>
+          </a:effectRef>
+          <a:fontRef idx="minor">
+            <a:schemeClr val="tx1"/>
+          </a:fontRef>
+        </p:style>
+      </p:cxnSp>
+      <p:sp>
+        <p:nvSpPr>
+          <p:cNvPr id="21" name="TextBox 20">
+            <a:extLst>
+              <a:ext uri="{FF2B5EF4-FFF2-40B4-BE49-F238E27FC236}">
+                <a16:creationId xmlns:a16="http://schemas.microsoft.com/office/drawing/2014/main" id="{4E8F3DF4-1FC6-F27A-736D-B306628EB296}"/>
+              </a:ext>
+            </a:extLst>
+          </p:cNvPr>
+          <p:cNvSpPr txBox="1"/>
+          <p:nvPr/>
+        </p:nvSpPr>
+        <p:spPr>
+          <a:xfrm>
+            <a:off x="5111730" y="2219264"/>
+            <a:ext cx="1218503" cy="246221"/>
+          </a:xfrm>
+          <a:prstGeom prst="rect">
+            <a:avLst/>
+          </a:prstGeom>
+          <a:noFill/>
+        </p:spPr>
+        <p:txBody>
+          <a:bodyPr wrap="square" rtlCol="0">
+            <a:spAutoFit/>
+          </a:bodyPr>
+          <a:lstStyle/>
+          <a:p>
+            <a:r>
+              <a:rPr lang="en-US" altLang="ko-KR" sz="1000" dirty="0" err="1"/>
+              <a:t>UltraSonic</a:t>
+            </a:r>
+            <a:endParaRPr lang="ko-KR" altLang="en-US" sz="1000" dirty="0"/>
+          </a:p>
+        </p:txBody>
+      </p:sp>
+      <p:cxnSp>
+        <p:nvCxnSpPr>
+          <p:cNvPr id="24" name="직선 화살표 연결선 23">
+            <a:extLst>
+              <a:ext uri="{FF2B5EF4-FFF2-40B4-BE49-F238E27FC236}">
+                <a16:creationId xmlns:a16="http://schemas.microsoft.com/office/drawing/2014/main" id="{BAFD0CB5-8A45-CF3F-00A7-D0F6E6826712}"/>
+              </a:ext>
+            </a:extLst>
+          </p:cNvPr>
+          <p:cNvCxnSpPr>
+            <a:cxnSpLocks/>
+          </p:cNvCxnSpPr>
+          <p:nvPr/>
+        </p:nvCxnSpPr>
+        <p:spPr>
+          <a:xfrm>
+            <a:off x="6306750" y="1669327"/>
+            <a:ext cx="1307030" cy="1838981"/>
+          </a:xfrm>
+          <a:prstGeom prst="straightConnector1">
+            <a:avLst/>
+          </a:prstGeom>
+          <a:ln>
+            <a:tailEnd type="triangle"/>
+          </a:ln>
+        </p:spPr>
+        <p:style>
+          <a:lnRef idx="1">
+            <a:schemeClr val="accent1"/>
+          </a:lnRef>
+          <a:fillRef idx="0">
+            <a:schemeClr val="accent1"/>
+          </a:fillRef>
+          <a:effectRef idx="0">
+            <a:schemeClr val="accent1"/>
+          </a:effectRef>
+          <a:fontRef idx="minor">
+            <a:schemeClr val="tx1"/>
+          </a:fontRef>
+        </p:style>
+      </p:cxnSp>
+      <p:sp>
+        <p:nvSpPr>
+          <p:cNvPr id="28" name="TextBox 27">
+            <a:extLst>
+              <a:ext uri="{FF2B5EF4-FFF2-40B4-BE49-F238E27FC236}">
+                <a16:creationId xmlns:a16="http://schemas.microsoft.com/office/drawing/2014/main" id="{43FE3A48-6034-1673-E235-07379DBB763D}"/>
+              </a:ext>
+            </a:extLst>
+          </p:cNvPr>
+          <p:cNvSpPr txBox="1"/>
+          <p:nvPr/>
+        </p:nvSpPr>
+        <p:spPr>
+          <a:xfrm>
+            <a:off x="6223307" y="2617565"/>
+            <a:ext cx="1218503" cy="246221"/>
+          </a:xfrm>
+          <a:prstGeom prst="rect">
+            <a:avLst/>
+          </a:prstGeom>
+          <a:noFill/>
+        </p:spPr>
+        <p:txBody>
+          <a:bodyPr wrap="square" rtlCol="0">
+            <a:spAutoFit/>
+          </a:bodyPr>
+          <a:lstStyle/>
+          <a:p>
+            <a:r>
+              <a:rPr lang="en-US" altLang="ko-KR" sz="1000" dirty="0" err="1"/>
+              <a:t>UltraSonic</a:t>
+            </a:r>
+            <a:endParaRPr lang="ko-KR" altLang="en-US" sz="1000" dirty="0"/>
+          </a:p>
+        </p:txBody>
+      </p:sp>
+      <p:sp>
+        <p:nvSpPr>
+          <p:cNvPr id="36" name="TextBox 35">
+            <a:extLst>
+              <a:ext uri="{FF2B5EF4-FFF2-40B4-BE49-F238E27FC236}">
+                <a16:creationId xmlns:a16="http://schemas.microsoft.com/office/drawing/2014/main" id="{73413E2B-C089-595A-C839-8484E8589F25}"/>
+              </a:ext>
+            </a:extLst>
+          </p:cNvPr>
+          <p:cNvSpPr txBox="1"/>
+          <p:nvPr/>
+        </p:nvSpPr>
+        <p:spPr>
+          <a:xfrm>
+            <a:off x="6624783" y="5662037"/>
+            <a:ext cx="1372554" cy="400110"/>
+          </a:xfrm>
+          <a:prstGeom prst="rect">
+            <a:avLst/>
+          </a:prstGeom>
+          <a:noFill/>
+        </p:spPr>
+        <p:txBody>
+          <a:bodyPr wrap="square" rtlCol="0">
+            <a:spAutoFit/>
+          </a:bodyPr>
+          <a:lstStyle/>
+          <a:p>
+            <a:r>
+              <a:rPr lang="en-US" altLang="ko-KR" sz="1000" dirty="0"/>
+              <a:t>Decrease / Stop</a:t>
+            </a:r>
+          </a:p>
+          <a:p>
+            <a:r>
+              <a:rPr lang="en-US" altLang="ko-KR" sz="1000" dirty="0"/>
+              <a:t>mode</a:t>
+            </a:r>
+            <a:endParaRPr lang="ko-KR" altLang="en-US" sz="1000" dirty="0"/>
+          </a:p>
+        </p:txBody>
+      </p:sp>
+      <p:cxnSp>
+        <p:nvCxnSpPr>
+          <p:cNvPr id="43" name="연결선: 꺾임 42">
+            <a:extLst>
+              <a:ext uri="{FF2B5EF4-FFF2-40B4-BE49-F238E27FC236}">
+                <a16:creationId xmlns:a16="http://schemas.microsoft.com/office/drawing/2014/main" id="{6AB3817C-5276-32F4-FD7A-792AB6C01079}"/>
+              </a:ext>
+            </a:extLst>
+          </p:cNvPr>
+          <p:cNvCxnSpPr>
+            <a:endCxn id="2" idx="2"/>
+          </p:cNvCxnSpPr>
+          <p:nvPr/>
+        </p:nvCxnSpPr>
+        <p:spPr>
+          <a:xfrm>
+            <a:off x="6385560" y="4966866"/>
+            <a:ext cx="1851000" cy="14384"/>
+          </a:xfrm>
+          <a:prstGeom prst="bentConnector4">
+            <a:avLst>
+              <a:gd name="adj1" fmla="val -524"/>
+              <a:gd name="adj2" fmla="val 4549944"/>
+            </a:avLst>
+          </a:prstGeom>
+          <a:ln>
+            <a:tailEnd type="triangle"/>
+          </a:ln>
+        </p:spPr>
+        <p:style>
+          <a:lnRef idx="1">
+            <a:schemeClr val="accent1"/>
+          </a:lnRef>
+          <a:fillRef idx="0">
+            <a:schemeClr val="accent1"/>
+          </a:fillRef>
+          <a:effectRef idx="0">
+            <a:schemeClr val="accent1"/>
+          </a:effectRef>
+          <a:fontRef idx="minor">
+            <a:schemeClr val="tx1"/>
+          </a:fontRef>
+        </p:style>
+      </p:cxnSp>
     </p:spTree>
     <p:extLst>
       <p:ext uri="{BB962C8B-B14F-4D97-AF65-F5344CB8AC3E}">
